--- a/slide/chap4.pptx
+++ b/slide/chap4.pptx
@@ -8827,7 +8827,13 @@
           <p:nvPr/>
         </p:nvPicPr>
         <p:blipFill>
-          <a:blip r:embed="rId2"/>
+          <a:blip r:embed="rId2" cstate="screen">
+            <a:extLst>
+              <a:ext uri="{28A0092B-C50C-407E-A947-70E740481C1C}">
+                <a14:useLocalDpi xmlns:a14="http://schemas.microsoft.com/office/drawing/2010/main"/>
+              </a:ext>
+            </a:extLst>
+          </a:blip>
           <a:stretch>
             <a:fillRect/>
           </a:stretch>
@@ -9811,7 +9817,7 @@
             <a:blip r:embed="rId2">
               <a:extLst>
                 <a:ext uri="{28A0092B-C50C-407E-A947-70E740481C1C}">
-                  <a14:useLocalDpi xmlns:a14="http://schemas.microsoft.com/office/drawing/2010/main" val="0"/>
+                  <a14:useLocalDpi xmlns:a14="http://schemas.microsoft.com/office/drawing/2010/main"/>
                 </a:ext>
               </a:extLst>
             </a:blip>
@@ -11080,7 +11086,13 @@
           <p:nvPr/>
         </p:nvPicPr>
         <p:blipFill>
-          <a:blip r:embed="rId3"/>
+          <a:blip r:embed="rId3" cstate="screen">
+            <a:extLst>
+              <a:ext uri="{28A0092B-C50C-407E-A947-70E740481C1C}">
+                <a14:useLocalDpi xmlns:a14="http://schemas.microsoft.com/office/drawing/2010/main"/>
+              </a:ext>
+            </a:extLst>
+          </a:blip>
           <a:stretch>
             <a:fillRect/>
           </a:stretch>
@@ -11458,7 +11470,13 @@
           <p:nvPr/>
         </p:nvPicPr>
         <p:blipFill>
-          <a:blip r:embed="rId2"/>
+          <a:blip r:embed="rId2" cstate="screen">
+            <a:extLst>
+              <a:ext uri="{28A0092B-C50C-407E-A947-70E740481C1C}">
+                <a14:useLocalDpi xmlns:a14="http://schemas.microsoft.com/office/drawing/2010/main"/>
+              </a:ext>
+            </a:extLst>
+          </a:blip>
           <a:stretch>
             <a:fillRect/>
           </a:stretch>
@@ -12988,7 +13006,13 @@
           <p:nvPr/>
         </p:nvPicPr>
         <p:blipFill>
-          <a:blip r:embed="rId3"/>
+          <a:blip r:embed="rId3" cstate="screen">
+            <a:extLst>
+              <a:ext uri="{28A0092B-C50C-407E-A947-70E740481C1C}">
+                <a14:useLocalDpi xmlns:a14="http://schemas.microsoft.com/office/drawing/2010/main"/>
+              </a:ext>
+            </a:extLst>
+          </a:blip>
           <a:stretch>
             <a:fillRect/>
           </a:stretch>
@@ -13094,7 +13118,13 @@
           <p:nvPr/>
         </p:nvPicPr>
         <p:blipFill>
-          <a:blip r:embed="rId4"/>
+          <a:blip r:embed="rId4" cstate="screen">
+            <a:extLst>
+              <a:ext uri="{28A0092B-C50C-407E-A947-70E740481C1C}">
+                <a14:useLocalDpi xmlns:a14="http://schemas.microsoft.com/office/drawing/2010/main"/>
+              </a:ext>
+            </a:extLst>
+          </a:blip>
           <a:stretch>
             <a:fillRect/>
           </a:stretch>
@@ -13162,7 +13192,13 @@
           <p:nvPr/>
         </p:nvPicPr>
         <p:blipFill>
-          <a:blip r:embed="rId5"/>
+          <a:blip r:embed="rId5" cstate="screen">
+            <a:extLst>
+              <a:ext uri="{28A0092B-C50C-407E-A947-70E740481C1C}">
+                <a14:useLocalDpi xmlns:a14="http://schemas.microsoft.com/office/drawing/2010/main"/>
+              </a:ext>
+            </a:extLst>
+          </a:blip>
           <a:stretch>
             <a:fillRect/>
           </a:stretch>
